--- a/05-CrDyn/Pictures/PumpResults.pptx
+++ b/05-CrDyn/Pictures/PumpResults.pptx
@@ -192,7 +192,7 @@
           <a:p>
             <a:fld id="{846E01DE-34E9-49ED-964F-82AFB8FEED8D}" type="datetimeFigureOut">
               <a:rPr lang="en-US" smtClean="0"/>
-              <a:t>6/22/2017</a:t>
+              <a:t>6/29/2017</a:t>
             </a:fld>
             <a:endParaRPr lang="en-US"/>
           </a:p>
@@ -730,7 +730,7 @@
           <a:p>
             <a:fld id="{E8FDFF63-9793-40E2-8DBC-13016F069603}" type="datetimeFigureOut">
               <a:rPr lang="en-US" smtClean="0"/>
-              <a:t>6/22/2017</a:t>
+              <a:t>6/29/2017</a:t>
             </a:fld>
             <a:endParaRPr lang="en-US"/>
           </a:p>
@@ -900,7 +900,7 @@
           <a:p>
             <a:fld id="{E8FDFF63-9793-40E2-8DBC-13016F069603}" type="datetimeFigureOut">
               <a:rPr lang="en-US" smtClean="0"/>
-              <a:t>6/22/2017</a:t>
+              <a:t>6/29/2017</a:t>
             </a:fld>
             <a:endParaRPr lang="en-US"/>
           </a:p>
@@ -1080,7 +1080,7 @@
           <a:p>
             <a:fld id="{E8FDFF63-9793-40E2-8DBC-13016F069603}" type="datetimeFigureOut">
               <a:rPr lang="en-US" smtClean="0"/>
-              <a:t>6/22/2017</a:t>
+              <a:t>6/29/2017</a:t>
             </a:fld>
             <a:endParaRPr lang="en-US"/>
           </a:p>
@@ -1250,7 +1250,7 @@
           <a:p>
             <a:fld id="{E8FDFF63-9793-40E2-8DBC-13016F069603}" type="datetimeFigureOut">
               <a:rPr lang="en-US" smtClean="0"/>
-              <a:t>6/22/2017</a:t>
+              <a:t>6/29/2017</a:t>
             </a:fld>
             <a:endParaRPr lang="en-US"/>
           </a:p>
@@ -1496,7 +1496,7 @@
           <a:p>
             <a:fld id="{E8FDFF63-9793-40E2-8DBC-13016F069603}" type="datetimeFigureOut">
               <a:rPr lang="en-US" smtClean="0"/>
-              <a:t>6/22/2017</a:t>
+              <a:t>6/29/2017</a:t>
             </a:fld>
             <a:endParaRPr lang="en-US"/>
           </a:p>
@@ -1784,7 +1784,7 @@
           <a:p>
             <a:fld id="{E8FDFF63-9793-40E2-8DBC-13016F069603}" type="datetimeFigureOut">
               <a:rPr lang="en-US" smtClean="0"/>
-              <a:t>6/22/2017</a:t>
+              <a:t>6/29/2017</a:t>
             </a:fld>
             <a:endParaRPr lang="en-US"/>
           </a:p>
@@ -2206,7 +2206,7 @@
           <a:p>
             <a:fld id="{E8FDFF63-9793-40E2-8DBC-13016F069603}" type="datetimeFigureOut">
               <a:rPr lang="en-US" smtClean="0"/>
-              <a:t>6/22/2017</a:t>
+              <a:t>6/29/2017</a:t>
             </a:fld>
             <a:endParaRPr lang="en-US"/>
           </a:p>
@@ -2324,7 +2324,7 @@
           <a:p>
             <a:fld id="{E8FDFF63-9793-40E2-8DBC-13016F069603}" type="datetimeFigureOut">
               <a:rPr lang="en-US" smtClean="0"/>
-              <a:t>6/22/2017</a:t>
+              <a:t>6/29/2017</a:t>
             </a:fld>
             <a:endParaRPr lang="en-US"/>
           </a:p>
@@ -2419,7 +2419,7 @@
           <a:p>
             <a:fld id="{E8FDFF63-9793-40E2-8DBC-13016F069603}" type="datetimeFigureOut">
               <a:rPr lang="en-US" smtClean="0"/>
-              <a:t>6/22/2017</a:t>
+              <a:t>6/29/2017</a:t>
             </a:fld>
             <a:endParaRPr lang="en-US"/>
           </a:p>
@@ -2696,7 +2696,7 @@
           <a:p>
             <a:fld id="{E8FDFF63-9793-40E2-8DBC-13016F069603}" type="datetimeFigureOut">
               <a:rPr lang="en-US" smtClean="0"/>
-              <a:t>6/22/2017</a:t>
+              <a:t>6/29/2017</a:t>
             </a:fld>
             <a:endParaRPr lang="en-US"/>
           </a:p>
@@ -2949,7 +2949,7 @@
           <a:p>
             <a:fld id="{E8FDFF63-9793-40E2-8DBC-13016F069603}" type="datetimeFigureOut">
               <a:rPr lang="en-US" smtClean="0"/>
-              <a:t>6/22/2017</a:t>
+              <a:t>6/29/2017</a:t>
             </a:fld>
             <a:endParaRPr lang="en-US"/>
           </a:p>
@@ -3162,7 +3162,7 @@
           <a:p>
             <a:fld id="{E8FDFF63-9793-40E2-8DBC-13016F069603}" type="datetimeFigureOut">
               <a:rPr lang="en-US" smtClean="0"/>
-              <a:t>6/22/2017</a:t>
+              <a:t>6/29/2017</a:t>
             </a:fld>
             <a:endParaRPr lang="en-US"/>
           </a:p>
@@ -3539,7 +3539,7 @@
       </p:grpSpPr>
       <p:pic>
         <p:nvPicPr>
-          <p:cNvPr id="27" name="Picture 4"/>
+          <p:cNvPr id="1033" name="Picture 9"/>
           <p:cNvPicPr>
             <a:picLocks noChangeAspect="1" noChangeArrowheads="1"/>
           </p:cNvPicPr>
@@ -3560,8 +3560,8 @@
         </p:blipFill>
         <p:spPr bwMode="auto">
           <a:xfrm>
-            <a:off x="6112800" y="-13444"/>
-            <a:ext cx="4346575" cy="4586287"/>
+            <a:off x="-289198" y="-180000"/>
+            <a:ext cx="6788150" cy="9115425"/>
           </a:xfrm>
           <a:prstGeom prst="rect">
             <a:avLst/>
@@ -3593,13 +3593,13 @@
       </p:pic>
       <p:pic>
         <p:nvPicPr>
-          <p:cNvPr id="28" name="Picture 3"/>
+          <p:cNvPr id="1027" name="Picture 3"/>
           <p:cNvPicPr>
             <a:picLocks noChangeAspect="1" noChangeArrowheads="1"/>
           </p:cNvPicPr>
           <p:nvPr/>
         </p:nvPicPr>
-        <p:blipFill>
+        <p:blipFill rotWithShape="1">
           <a:blip r:embed="rId4">
             <a:extLst>
               <a:ext uri="{28A0092B-C50C-407E-A947-70E740481C1C}">
@@ -3607,15 +3607,13 @@
               </a:ext>
             </a:extLst>
           </a:blip>
-          <a:srcRect/>
-          <a:stretch>
-            <a:fillRect/>
-          </a:stretch>
+          <a:srcRect l="5849"/>
+          <a:stretch/>
         </p:blipFill>
         <p:spPr bwMode="auto">
           <a:xfrm>
-            <a:off x="6208117" y="4222800"/>
-            <a:ext cx="4268787" cy="4586287"/>
+            <a:off x="6361200" y="-14400"/>
+            <a:ext cx="4114800" cy="4586288"/>
           </a:xfrm>
           <a:prstGeom prst="rect">
             <a:avLst/>
@@ -3645,9 +3643,117 @@
           </a:extLst>
         </p:spPr>
       </p:pic>
+      <p:sp>
+        <p:nvSpPr>
+          <p:cNvPr id="30" name="ZoneTexte 29"/>
+          <p:cNvSpPr txBox="1"/>
+          <p:nvPr/>
+        </p:nvSpPr>
+        <p:spPr>
+          <a:xfrm>
+            <a:off x="9595296" y="4293279"/>
+            <a:ext cx="441146" cy="369332"/>
+          </a:xfrm>
+          <a:prstGeom prst="rect">
+            <a:avLst/>
+          </a:prstGeom>
+          <a:noFill/>
+        </p:spPr>
+        <p:txBody>
+          <a:bodyPr wrap="none" rtlCol="0">
+            <a:spAutoFit/>
+          </a:bodyPr>
+          <a:lstStyle/>
+          <a:p>
+            <a:r>
+              <a:rPr lang="fr-FR" dirty="0" smtClean="0">
+                <a:latin typeface="Times New Roman" panose="02020603050405020304" pitchFamily="18" charset="0"/>
+                <a:cs typeface="Times New Roman" panose="02020603050405020304" pitchFamily="18" charset="0"/>
+              </a:rPr>
+              <a:t>(c)</a:t>
+            </a:r>
+            <a:endParaRPr lang="en-US" dirty="0">
+              <a:latin typeface="Times New Roman" panose="02020603050405020304" pitchFamily="18" charset="0"/>
+              <a:cs typeface="Times New Roman" panose="02020603050405020304" pitchFamily="18" charset="0"/>
+            </a:endParaRPr>
+          </a:p>
+        </p:txBody>
+      </p:sp>
+      <p:sp>
+        <p:nvSpPr>
+          <p:cNvPr id="31" name="ZoneTexte 30"/>
+          <p:cNvSpPr txBox="1"/>
+          <p:nvPr/>
+        </p:nvSpPr>
+        <p:spPr>
+          <a:xfrm>
+            <a:off x="5562848" y="54099"/>
+            <a:ext cx="441146" cy="369332"/>
+          </a:xfrm>
+          <a:prstGeom prst="rect">
+            <a:avLst/>
+          </a:prstGeom>
+          <a:noFill/>
+        </p:spPr>
+        <p:txBody>
+          <a:bodyPr wrap="none" rtlCol="0">
+            <a:spAutoFit/>
+          </a:bodyPr>
+          <a:lstStyle/>
+          <a:p>
+            <a:r>
+              <a:rPr lang="fr-FR" dirty="0" smtClean="0">
+                <a:latin typeface="Times New Roman" panose="02020603050405020304" pitchFamily="18" charset="0"/>
+                <a:cs typeface="Times New Roman" panose="02020603050405020304" pitchFamily="18" charset="0"/>
+              </a:rPr>
+              <a:t>(a)</a:t>
+            </a:r>
+            <a:endParaRPr lang="en-US" dirty="0">
+              <a:latin typeface="Times New Roman" panose="02020603050405020304" pitchFamily="18" charset="0"/>
+              <a:cs typeface="Times New Roman" panose="02020603050405020304" pitchFamily="18" charset="0"/>
+            </a:endParaRPr>
+          </a:p>
+        </p:txBody>
+      </p:sp>
+      <p:sp>
+        <p:nvSpPr>
+          <p:cNvPr id="32" name="ZoneTexte 31"/>
+          <p:cNvSpPr txBox="1"/>
+          <p:nvPr/>
+        </p:nvSpPr>
+        <p:spPr>
+          <a:xfrm>
+            <a:off x="9595296" y="116815"/>
+            <a:ext cx="498855" cy="415498"/>
+          </a:xfrm>
+          <a:prstGeom prst="rect">
+            <a:avLst/>
+          </a:prstGeom>
+          <a:noFill/>
+        </p:spPr>
+        <p:txBody>
+          <a:bodyPr wrap="none" rtlCol="0">
+            <a:spAutoFit/>
+          </a:bodyPr>
+          <a:lstStyle/>
+          <a:p>
+            <a:r>
+              <a:rPr lang="fr-FR" dirty="0" smtClean="0">
+                <a:latin typeface="Times New Roman" panose="02020603050405020304" pitchFamily="18" charset="0"/>
+                <a:cs typeface="Times New Roman" panose="02020603050405020304" pitchFamily="18" charset="0"/>
+              </a:rPr>
+              <a:t>(b)</a:t>
+            </a:r>
+            <a:endParaRPr lang="en-US" dirty="0">
+              <a:latin typeface="Times New Roman" panose="02020603050405020304" pitchFamily="18" charset="0"/>
+              <a:cs typeface="Times New Roman" panose="02020603050405020304" pitchFamily="18" charset="0"/>
+            </a:endParaRPr>
+          </a:p>
+        </p:txBody>
+      </p:sp>
       <p:pic>
         <p:nvPicPr>
-          <p:cNvPr id="29" name="Picture 2"/>
+          <p:cNvPr id="1026" name="Picture 2"/>
           <p:cNvPicPr>
             <a:picLocks noChangeAspect="1" noChangeArrowheads="1"/>
           </p:cNvPicPr>
@@ -3661,13 +3767,13 @@
               </a:ext>
             </a:extLst>
           </a:blip>
-          <a:srcRect r="4297"/>
+          <a:srcRect l="3367"/>
           <a:stretch/>
         </p:blipFill>
         <p:spPr bwMode="auto">
           <a:xfrm>
-            <a:off x="-113953" y="-179685"/>
-            <a:ext cx="6414393" cy="9105900"/>
+            <a:off x="6343200" y="4222800"/>
+            <a:ext cx="4134258" cy="4586288"/>
           </a:xfrm>
           <a:prstGeom prst="rect">
             <a:avLst/>
@@ -3697,114 +3803,6 @@
           </a:extLst>
         </p:spPr>
       </p:pic>
-      <p:sp>
-        <p:nvSpPr>
-          <p:cNvPr id="30" name="ZoneTexte 29"/>
-          <p:cNvSpPr txBox="1"/>
-          <p:nvPr/>
-        </p:nvSpPr>
-        <p:spPr>
-          <a:xfrm>
-            <a:off x="9595296" y="4293279"/>
-            <a:ext cx="441146" cy="369332"/>
-          </a:xfrm>
-          <a:prstGeom prst="rect">
-            <a:avLst/>
-          </a:prstGeom>
-          <a:noFill/>
-        </p:spPr>
-        <p:txBody>
-          <a:bodyPr wrap="none" rtlCol="0">
-            <a:spAutoFit/>
-          </a:bodyPr>
-          <a:lstStyle/>
-          <a:p>
-            <a:r>
-              <a:rPr lang="fr-FR" dirty="0" smtClean="0">
-                <a:latin typeface="Times New Roman" panose="02020603050405020304" pitchFamily="18" charset="0"/>
-                <a:cs typeface="Times New Roman" panose="02020603050405020304" pitchFamily="18" charset="0"/>
-              </a:rPr>
-              <a:t>(c)</a:t>
-            </a:r>
-            <a:endParaRPr lang="en-US" dirty="0">
-              <a:latin typeface="Times New Roman" panose="02020603050405020304" pitchFamily="18" charset="0"/>
-              <a:cs typeface="Times New Roman" panose="02020603050405020304" pitchFamily="18" charset="0"/>
-            </a:endParaRPr>
-          </a:p>
-        </p:txBody>
-      </p:sp>
-      <p:sp>
-        <p:nvSpPr>
-          <p:cNvPr id="31" name="ZoneTexte 30"/>
-          <p:cNvSpPr txBox="1"/>
-          <p:nvPr/>
-        </p:nvSpPr>
-        <p:spPr>
-          <a:xfrm>
-            <a:off x="5724376" y="99055"/>
-            <a:ext cx="441146" cy="369332"/>
-          </a:xfrm>
-          <a:prstGeom prst="rect">
-            <a:avLst/>
-          </a:prstGeom>
-          <a:noFill/>
-        </p:spPr>
-        <p:txBody>
-          <a:bodyPr wrap="none" rtlCol="0">
-            <a:spAutoFit/>
-          </a:bodyPr>
-          <a:lstStyle/>
-          <a:p>
-            <a:r>
-              <a:rPr lang="fr-FR" dirty="0" smtClean="0">
-                <a:latin typeface="Times New Roman" panose="02020603050405020304" pitchFamily="18" charset="0"/>
-                <a:cs typeface="Times New Roman" panose="02020603050405020304" pitchFamily="18" charset="0"/>
-              </a:rPr>
-              <a:t>(a)</a:t>
-            </a:r>
-            <a:endParaRPr lang="en-US" dirty="0">
-              <a:latin typeface="Times New Roman" panose="02020603050405020304" pitchFamily="18" charset="0"/>
-              <a:cs typeface="Times New Roman" panose="02020603050405020304" pitchFamily="18" charset="0"/>
-            </a:endParaRPr>
-          </a:p>
-        </p:txBody>
-      </p:sp>
-      <p:sp>
-        <p:nvSpPr>
-          <p:cNvPr id="32" name="ZoneTexte 31"/>
-          <p:cNvSpPr txBox="1"/>
-          <p:nvPr/>
-        </p:nvSpPr>
-        <p:spPr>
-          <a:xfrm>
-            <a:off x="9595296" y="116815"/>
-            <a:ext cx="498855" cy="415498"/>
-          </a:xfrm>
-          <a:prstGeom prst="rect">
-            <a:avLst/>
-          </a:prstGeom>
-          <a:noFill/>
-        </p:spPr>
-        <p:txBody>
-          <a:bodyPr wrap="none" rtlCol="0">
-            <a:spAutoFit/>
-          </a:bodyPr>
-          <a:lstStyle/>
-          <a:p>
-            <a:r>
-              <a:rPr lang="fr-FR" dirty="0" smtClean="0">
-                <a:latin typeface="Times New Roman" panose="02020603050405020304" pitchFamily="18" charset="0"/>
-                <a:cs typeface="Times New Roman" panose="02020603050405020304" pitchFamily="18" charset="0"/>
-              </a:rPr>
-              <a:t>(b)</a:t>
-            </a:r>
-            <a:endParaRPr lang="en-US" dirty="0">
-              <a:latin typeface="Times New Roman" panose="02020603050405020304" pitchFamily="18" charset="0"/>
-              <a:cs typeface="Times New Roman" panose="02020603050405020304" pitchFamily="18" charset="0"/>
-            </a:endParaRPr>
-          </a:p>
-        </p:txBody>
-      </p:sp>
     </p:spTree>
     <p:extLst>
       <p:ext uri="{BB962C8B-B14F-4D97-AF65-F5344CB8AC3E}">

--- a/05-CrDyn/Pictures/PumpResults.pptx
+++ b/05-CrDyn/Pictures/PumpResults.pptx
@@ -192,7 +192,7 @@
           <a:p>
             <a:fld id="{846E01DE-34E9-49ED-964F-82AFB8FEED8D}" type="datetimeFigureOut">
               <a:rPr lang="en-US" smtClean="0"/>
-              <a:t>6/29/2017</a:t>
+              <a:t>7/4/2017</a:t>
             </a:fld>
             <a:endParaRPr lang="en-US"/>
           </a:p>
@@ -730,7 +730,7 @@
           <a:p>
             <a:fld id="{E8FDFF63-9793-40E2-8DBC-13016F069603}" type="datetimeFigureOut">
               <a:rPr lang="en-US" smtClean="0"/>
-              <a:t>6/29/2017</a:t>
+              <a:t>7/4/2017</a:t>
             </a:fld>
             <a:endParaRPr lang="en-US"/>
           </a:p>
@@ -900,7 +900,7 @@
           <a:p>
             <a:fld id="{E8FDFF63-9793-40E2-8DBC-13016F069603}" type="datetimeFigureOut">
               <a:rPr lang="en-US" smtClean="0"/>
-              <a:t>6/29/2017</a:t>
+              <a:t>7/4/2017</a:t>
             </a:fld>
             <a:endParaRPr lang="en-US"/>
           </a:p>
@@ -1080,7 +1080,7 @@
           <a:p>
             <a:fld id="{E8FDFF63-9793-40E2-8DBC-13016F069603}" type="datetimeFigureOut">
               <a:rPr lang="en-US" smtClean="0"/>
-              <a:t>6/29/2017</a:t>
+              <a:t>7/4/2017</a:t>
             </a:fld>
             <a:endParaRPr lang="en-US"/>
           </a:p>
@@ -1250,7 +1250,7 @@
           <a:p>
             <a:fld id="{E8FDFF63-9793-40E2-8DBC-13016F069603}" type="datetimeFigureOut">
               <a:rPr lang="en-US" smtClean="0"/>
-              <a:t>6/29/2017</a:t>
+              <a:t>7/4/2017</a:t>
             </a:fld>
             <a:endParaRPr lang="en-US"/>
           </a:p>
@@ -1496,7 +1496,7 @@
           <a:p>
             <a:fld id="{E8FDFF63-9793-40E2-8DBC-13016F069603}" type="datetimeFigureOut">
               <a:rPr lang="en-US" smtClean="0"/>
-              <a:t>6/29/2017</a:t>
+              <a:t>7/4/2017</a:t>
             </a:fld>
             <a:endParaRPr lang="en-US"/>
           </a:p>
@@ -1784,7 +1784,7 @@
           <a:p>
             <a:fld id="{E8FDFF63-9793-40E2-8DBC-13016F069603}" type="datetimeFigureOut">
               <a:rPr lang="en-US" smtClean="0"/>
-              <a:t>6/29/2017</a:t>
+              <a:t>7/4/2017</a:t>
             </a:fld>
             <a:endParaRPr lang="en-US"/>
           </a:p>
@@ -2206,7 +2206,7 @@
           <a:p>
             <a:fld id="{E8FDFF63-9793-40E2-8DBC-13016F069603}" type="datetimeFigureOut">
               <a:rPr lang="en-US" smtClean="0"/>
-              <a:t>6/29/2017</a:t>
+              <a:t>7/4/2017</a:t>
             </a:fld>
             <a:endParaRPr lang="en-US"/>
           </a:p>
@@ -2324,7 +2324,7 @@
           <a:p>
             <a:fld id="{E8FDFF63-9793-40E2-8DBC-13016F069603}" type="datetimeFigureOut">
               <a:rPr lang="en-US" smtClean="0"/>
-              <a:t>6/29/2017</a:t>
+              <a:t>7/4/2017</a:t>
             </a:fld>
             <a:endParaRPr lang="en-US"/>
           </a:p>
@@ -2419,7 +2419,7 @@
           <a:p>
             <a:fld id="{E8FDFF63-9793-40E2-8DBC-13016F069603}" type="datetimeFigureOut">
               <a:rPr lang="en-US" smtClean="0"/>
-              <a:t>6/29/2017</a:t>
+              <a:t>7/4/2017</a:t>
             </a:fld>
             <a:endParaRPr lang="en-US"/>
           </a:p>
@@ -2696,7 +2696,7 @@
           <a:p>
             <a:fld id="{E8FDFF63-9793-40E2-8DBC-13016F069603}" type="datetimeFigureOut">
               <a:rPr lang="en-US" smtClean="0"/>
-              <a:t>6/29/2017</a:t>
+              <a:t>7/4/2017</a:t>
             </a:fld>
             <a:endParaRPr lang="en-US"/>
           </a:p>
@@ -2949,7 +2949,7 @@
           <a:p>
             <a:fld id="{E8FDFF63-9793-40E2-8DBC-13016F069603}" type="datetimeFigureOut">
               <a:rPr lang="en-US" smtClean="0"/>
-              <a:t>6/29/2017</a:t>
+              <a:t>7/4/2017</a:t>
             </a:fld>
             <a:endParaRPr lang="en-US"/>
           </a:p>
@@ -3162,7 +3162,7 @@
           <a:p>
             <a:fld id="{E8FDFF63-9793-40E2-8DBC-13016F069603}" type="datetimeFigureOut">
               <a:rPr lang="en-US" smtClean="0"/>
-              <a:t>6/29/2017</a:t>
+              <a:t>7/4/2017</a:t>
             </a:fld>
             <a:endParaRPr lang="en-US"/>
           </a:p>
@@ -3803,6 +3803,42 @@
           </a:extLst>
         </p:spPr>
       </p:pic>
+      <p:sp>
+        <p:nvSpPr>
+          <p:cNvPr id="8" name="ZoneTexte 7"/>
+          <p:cNvSpPr txBox="1"/>
+          <p:nvPr/>
+        </p:nvSpPr>
+        <p:spPr>
+          <a:xfrm>
+            <a:off x="9595296" y="4446587"/>
+            <a:ext cx="484428" cy="415498"/>
+          </a:xfrm>
+          <a:prstGeom prst="rect">
+            <a:avLst/>
+          </a:prstGeom>
+          <a:noFill/>
+        </p:spPr>
+        <p:txBody>
+          <a:bodyPr wrap="none" rtlCol="0">
+            <a:spAutoFit/>
+          </a:bodyPr>
+          <a:lstStyle/>
+          <a:p>
+            <a:r>
+              <a:rPr lang="fr-FR" smtClean="0">
+                <a:latin typeface="Times New Roman" panose="02020603050405020304" pitchFamily="18" charset="0"/>
+                <a:cs typeface="Times New Roman" panose="02020603050405020304" pitchFamily="18" charset="0"/>
+              </a:rPr>
+              <a:t>(c)</a:t>
+            </a:r>
+            <a:endParaRPr lang="en-US" dirty="0">
+              <a:latin typeface="Times New Roman" panose="02020603050405020304" pitchFamily="18" charset="0"/>
+              <a:cs typeface="Times New Roman" panose="02020603050405020304" pitchFamily="18" charset="0"/>
+            </a:endParaRPr>
+          </a:p>
+        </p:txBody>
+      </p:sp>
     </p:spTree>
     <p:extLst>
       <p:ext uri="{BB962C8B-B14F-4D97-AF65-F5344CB8AC3E}">

--- a/05-CrDyn/Pictures/PumpResults.pptx
+++ b/05-CrDyn/Pictures/PumpResults.pptx
@@ -192,7 +192,7 @@
           <a:p>
             <a:fld id="{846E01DE-34E9-49ED-964F-82AFB8FEED8D}" type="datetimeFigureOut">
               <a:rPr lang="en-US" smtClean="0"/>
-              <a:t>7/4/2017</a:t>
+              <a:t>9/12/2017</a:t>
             </a:fld>
             <a:endParaRPr lang="en-US"/>
           </a:p>
@@ -730,7 +730,7 @@
           <a:p>
             <a:fld id="{E8FDFF63-9793-40E2-8DBC-13016F069603}" type="datetimeFigureOut">
               <a:rPr lang="en-US" smtClean="0"/>
-              <a:t>7/4/2017</a:t>
+              <a:t>9/12/2017</a:t>
             </a:fld>
             <a:endParaRPr lang="en-US"/>
           </a:p>
@@ -900,7 +900,7 @@
           <a:p>
             <a:fld id="{E8FDFF63-9793-40E2-8DBC-13016F069603}" type="datetimeFigureOut">
               <a:rPr lang="en-US" smtClean="0"/>
-              <a:t>7/4/2017</a:t>
+              <a:t>9/12/2017</a:t>
             </a:fld>
             <a:endParaRPr lang="en-US"/>
           </a:p>
@@ -1080,7 +1080,7 @@
           <a:p>
             <a:fld id="{E8FDFF63-9793-40E2-8DBC-13016F069603}" type="datetimeFigureOut">
               <a:rPr lang="en-US" smtClean="0"/>
-              <a:t>7/4/2017</a:t>
+              <a:t>9/12/2017</a:t>
             </a:fld>
             <a:endParaRPr lang="en-US"/>
           </a:p>
@@ -1250,7 +1250,7 @@
           <a:p>
             <a:fld id="{E8FDFF63-9793-40E2-8DBC-13016F069603}" type="datetimeFigureOut">
               <a:rPr lang="en-US" smtClean="0"/>
-              <a:t>7/4/2017</a:t>
+              <a:t>9/12/2017</a:t>
             </a:fld>
             <a:endParaRPr lang="en-US"/>
           </a:p>
@@ -1496,7 +1496,7 @@
           <a:p>
             <a:fld id="{E8FDFF63-9793-40E2-8DBC-13016F069603}" type="datetimeFigureOut">
               <a:rPr lang="en-US" smtClean="0"/>
-              <a:t>7/4/2017</a:t>
+              <a:t>9/12/2017</a:t>
             </a:fld>
             <a:endParaRPr lang="en-US"/>
           </a:p>
@@ -1784,7 +1784,7 @@
           <a:p>
             <a:fld id="{E8FDFF63-9793-40E2-8DBC-13016F069603}" type="datetimeFigureOut">
               <a:rPr lang="en-US" smtClean="0"/>
-              <a:t>7/4/2017</a:t>
+              <a:t>9/12/2017</a:t>
             </a:fld>
             <a:endParaRPr lang="en-US"/>
           </a:p>
@@ -2206,7 +2206,7 @@
           <a:p>
             <a:fld id="{E8FDFF63-9793-40E2-8DBC-13016F069603}" type="datetimeFigureOut">
               <a:rPr lang="en-US" smtClean="0"/>
-              <a:t>7/4/2017</a:t>
+              <a:t>9/12/2017</a:t>
             </a:fld>
             <a:endParaRPr lang="en-US"/>
           </a:p>
@@ -2324,7 +2324,7 @@
           <a:p>
             <a:fld id="{E8FDFF63-9793-40E2-8DBC-13016F069603}" type="datetimeFigureOut">
               <a:rPr lang="en-US" smtClean="0"/>
-              <a:t>7/4/2017</a:t>
+              <a:t>9/12/2017</a:t>
             </a:fld>
             <a:endParaRPr lang="en-US"/>
           </a:p>
@@ -2419,7 +2419,7 @@
           <a:p>
             <a:fld id="{E8FDFF63-9793-40E2-8DBC-13016F069603}" type="datetimeFigureOut">
               <a:rPr lang="en-US" smtClean="0"/>
-              <a:t>7/4/2017</a:t>
+              <a:t>9/12/2017</a:t>
             </a:fld>
             <a:endParaRPr lang="en-US"/>
           </a:p>
@@ -2696,7 +2696,7 @@
           <a:p>
             <a:fld id="{E8FDFF63-9793-40E2-8DBC-13016F069603}" type="datetimeFigureOut">
               <a:rPr lang="en-US" smtClean="0"/>
-              <a:t>7/4/2017</a:t>
+              <a:t>9/12/2017</a:t>
             </a:fld>
             <a:endParaRPr lang="en-US"/>
           </a:p>
@@ -2949,7 +2949,7 @@
           <a:p>
             <a:fld id="{E8FDFF63-9793-40E2-8DBC-13016F069603}" type="datetimeFigureOut">
               <a:rPr lang="en-US" smtClean="0"/>
-              <a:t>7/4/2017</a:t>
+              <a:t>9/12/2017</a:t>
             </a:fld>
             <a:endParaRPr lang="en-US"/>
           </a:p>
@@ -3162,7 +3162,7 @@
           <a:p>
             <a:fld id="{E8FDFF63-9793-40E2-8DBC-13016F069603}" type="datetimeFigureOut">
               <a:rPr lang="en-US" smtClean="0"/>
-              <a:t>7/4/2017</a:t>
+              <a:t>9/12/2017</a:t>
             </a:fld>
             <a:endParaRPr lang="en-US"/>
           </a:p>
@@ -3811,7 +3811,7 @@
         </p:nvSpPr>
         <p:spPr>
           <a:xfrm>
-            <a:off x="9595296" y="4446587"/>
+            <a:off x="9595296" y="4374579"/>
             <a:ext cx="484428" cy="415498"/>
           </a:xfrm>
           <a:prstGeom prst="rect">
@@ -3826,7 +3826,7 @@
           <a:lstStyle/>
           <a:p>
             <a:r>
-              <a:rPr lang="fr-FR" smtClean="0">
+              <a:rPr lang="fr-FR" dirty="0" smtClean="0">
                 <a:latin typeface="Times New Roman" panose="02020603050405020304" pitchFamily="18" charset="0"/>
                 <a:cs typeface="Times New Roman" panose="02020603050405020304" pitchFamily="18" charset="0"/>
               </a:rPr>

--- a/05-CrDyn/Pictures/PumpResults.pptx
+++ b/05-CrDyn/Pictures/PumpResults.pptx
@@ -192,7 +192,7 @@
           <a:p>
             <a:fld id="{846E01DE-34E9-49ED-964F-82AFB8FEED8D}" type="datetimeFigureOut">
               <a:rPr lang="en-US" smtClean="0"/>
-              <a:t>9/12/2017</a:t>
+              <a:t>10/20/2017</a:t>
             </a:fld>
             <a:endParaRPr lang="en-US"/>
           </a:p>
@@ -730,7 +730,7 @@
           <a:p>
             <a:fld id="{E8FDFF63-9793-40E2-8DBC-13016F069603}" type="datetimeFigureOut">
               <a:rPr lang="en-US" smtClean="0"/>
-              <a:t>9/12/2017</a:t>
+              <a:t>10/20/2017</a:t>
             </a:fld>
             <a:endParaRPr lang="en-US"/>
           </a:p>
@@ -900,7 +900,7 @@
           <a:p>
             <a:fld id="{E8FDFF63-9793-40E2-8DBC-13016F069603}" type="datetimeFigureOut">
               <a:rPr lang="en-US" smtClean="0"/>
-              <a:t>9/12/2017</a:t>
+              <a:t>10/20/2017</a:t>
             </a:fld>
             <a:endParaRPr lang="en-US"/>
           </a:p>
@@ -1080,7 +1080,7 @@
           <a:p>
             <a:fld id="{E8FDFF63-9793-40E2-8DBC-13016F069603}" type="datetimeFigureOut">
               <a:rPr lang="en-US" smtClean="0"/>
-              <a:t>9/12/2017</a:t>
+              <a:t>10/20/2017</a:t>
             </a:fld>
             <a:endParaRPr lang="en-US"/>
           </a:p>
@@ -1250,7 +1250,7 @@
           <a:p>
             <a:fld id="{E8FDFF63-9793-40E2-8DBC-13016F069603}" type="datetimeFigureOut">
               <a:rPr lang="en-US" smtClean="0"/>
-              <a:t>9/12/2017</a:t>
+              <a:t>10/20/2017</a:t>
             </a:fld>
             <a:endParaRPr lang="en-US"/>
           </a:p>
@@ -1496,7 +1496,7 @@
           <a:p>
             <a:fld id="{E8FDFF63-9793-40E2-8DBC-13016F069603}" type="datetimeFigureOut">
               <a:rPr lang="en-US" smtClean="0"/>
-              <a:t>9/12/2017</a:t>
+              <a:t>10/20/2017</a:t>
             </a:fld>
             <a:endParaRPr lang="en-US"/>
           </a:p>
@@ -1784,7 +1784,7 @@
           <a:p>
             <a:fld id="{E8FDFF63-9793-40E2-8DBC-13016F069603}" type="datetimeFigureOut">
               <a:rPr lang="en-US" smtClean="0"/>
-              <a:t>9/12/2017</a:t>
+              <a:t>10/20/2017</a:t>
             </a:fld>
             <a:endParaRPr lang="en-US"/>
           </a:p>
@@ -2206,7 +2206,7 @@
           <a:p>
             <a:fld id="{E8FDFF63-9793-40E2-8DBC-13016F069603}" type="datetimeFigureOut">
               <a:rPr lang="en-US" smtClean="0"/>
-              <a:t>9/12/2017</a:t>
+              <a:t>10/20/2017</a:t>
             </a:fld>
             <a:endParaRPr lang="en-US"/>
           </a:p>
@@ -2324,7 +2324,7 @@
           <a:p>
             <a:fld id="{E8FDFF63-9793-40E2-8DBC-13016F069603}" type="datetimeFigureOut">
               <a:rPr lang="en-US" smtClean="0"/>
-              <a:t>9/12/2017</a:t>
+              <a:t>10/20/2017</a:t>
             </a:fld>
             <a:endParaRPr lang="en-US"/>
           </a:p>
@@ -2419,7 +2419,7 @@
           <a:p>
             <a:fld id="{E8FDFF63-9793-40E2-8DBC-13016F069603}" type="datetimeFigureOut">
               <a:rPr lang="en-US" smtClean="0"/>
-              <a:t>9/12/2017</a:t>
+              <a:t>10/20/2017</a:t>
             </a:fld>
             <a:endParaRPr lang="en-US"/>
           </a:p>
@@ -2696,7 +2696,7 @@
           <a:p>
             <a:fld id="{E8FDFF63-9793-40E2-8DBC-13016F069603}" type="datetimeFigureOut">
               <a:rPr lang="en-US" smtClean="0"/>
-              <a:t>9/12/2017</a:t>
+              <a:t>10/20/2017</a:t>
             </a:fld>
             <a:endParaRPr lang="en-US"/>
           </a:p>
@@ -2949,7 +2949,7 @@
           <a:p>
             <a:fld id="{E8FDFF63-9793-40E2-8DBC-13016F069603}" type="datetimeFigureOut">
               <a:rPr lang="en-US" smtClean="0"/>
-              <a:t>9/12/2017</a:t>
+              <a:t>10/20/2017</a:t>
             </a:fld>
             <a:endParaRPr lang="en-US"/>
           </a:p>
@@ -3162,7 +3162,7 @@
           <a:p>
             <a:fld id="{E8FDFF63-9793-40E2-8DBC-13016F069603}" type="datetimeFigureOut">
               <a:rPr lang="en-US" smtClean="0"/>
-              <a:t>9/12/2017</a:t>
+              <a:t>10/20/2017</a:t>
             </a:fld>
             <a:endParaRPr lang="en-US"/>
           </a:p>
@@ -3539,7 +3539,7 @@
       </p:grpSpPr>
       <p:pic>
         <p:nvPicPr>
-          <p:cNvPr id="1033" name="Picture 9"/>
+          <p:cNvPr id="1026" name="Picture 2"/>
           <p:cNvPicPr>
             <a:picLocks noChangeAspect="1" noChangeArrowheads="1"/>
           </p:cNvPicPr>
@@ -3560,8 +3560,60 @@
         </p:blipFill>
         <p:spPr bwMode="auto">
           <a:xfrm>
-            <a:off x="-289198" y="-180000"/>
-            <a:ext cx="6788150" cy="9115425"/>
+            <a:off x="-288000" y="-180000"/>
+            <a:ext cx="6795083" cy="9115200"/>
+          </a:xfrm>
+          <a:prstGeom prst="rect">
+            <a:avLst/>
+          </a:prstGeom>
+          <a:noFill/>
+          <a:ln>
+            <a:noFill/>
+          </a:ln>
+          <a:extLst>
+            <a:ext uri="{909E8E84-426E-40DD-AFC4-6F175D3DCCD1}">
+              <a14:hiddenFill xmlns:a14="http://schemas.microsoft.com/office/drawing/2010/main">
+                <a:solidFill>
+                  <a:schemeClr val="accent1"/>
+                </a:solidFill>
+              </a14:hiddenFill>
+            </a:ext>
+            <a:ext uri="{91240B29-F687-4F45-9708-019B960494DF}">
+              <a14:hiddenLine xmlns:a14="http://schemas.microsoft.com/office/drawing/2010/main" w="9525">
+                <a:solidFill>
+                  <a:schemeClr val="tx1"/>
+                </a:solidFill>
+                <a:miter lim="800000"/>
+                <a:headEnd/>
+                <a:tailEnd/>
+              </a14:hiddenLine>
+            </a:ext>
+          </a:extLst>
+        </p:spPr>
+      </p:pic>
+      <p:pic>
+        <p:nvPicPr>
+          <p:cNvPr id="4" name="Picture 4"/>
+          <p:cNvPicPr>
+            <a:picLocks noChangeAspect="1" noChangeArrowheads="1"/>
+          </p:cNvPicPr>
+          <p:nvPr/>
+        </p:nvPicPr>
+        <p:blipFill rotWithShape="1">
+          <a:blip r:embed="rId4">
+            <a:extLst>
+              <a:ext uri="{28A0092B-C50C-407E-A947-70E740481C1C}">
+                <a14:useLocalDpi xmlns:a14="http://schemas.microsoft.com/office/drawing/2010/main" val="0"/>
+              </a:ext>
+            </a:extLst>
+          </a:blip>
+          <a:srcRect l="4440" r="1172"/>
+          <a:stretch/>
+        </p:blipFill>
+        <p:spPr bwMode="auto">
+          <a:xfrm>
+            <a:off x="6210920" y="-14400"/>
+            <a:ext cx="4248000" cy="4586288"/>
           </a:xfrm>
           <a:prstGeom prst="rect">
             <a:avLst/>
@@ -3600,20 +3652,20 @@
           <p:nvPr/>
         </p:nvPicPr>
         <p:blipFill rotWithShape="1">
-          <a:blip r:embed="rId4">
+          <a:blip r:embed="rId5">
             <a:extLst>
               <a:ext uri="{28A0092B-C50C-407E-A947-70E740481C1C}">
                 <a14:useLocalDpi xmlns:a14="http://schemas.microsoft.com/office/drawing/2010/main" val="0"/>
               </a:ext>
             </a:extLst>
           </a:blip>
-          <a:srcRect l="5849"/>
+          <a:srcRect l="3715" r="-74"/>
           <a:stretch/>
         </p:blipFill>
         <p:spPr bwMode="auto">
           <a:xfrm>
-            <a:off x="6361200" y="-14400"/>
-            <a:ext cx="4114800" cy="4586288"/>
+            <a:off x="6282000" y="4116753"/>
+            <a:ext cx="4374000" cy="4722322"/>
           </a:xfrm>
           <a:prstGeom prst="rect">
             <a:avLst/>
@@ -3652,7 +3704,7 @@
         <p:spPr>
           <a:xfrm>
             <a:off x="9595296" y="4293279"/>
-            <a:ext cx="441146" cy="369332"/>
+            <a:ext cx="526106" cy="461665"/>
           </a:xfrm>
           <a:prstGeom prst="rect">
             <a:avLst/>
@@ -3666,13 +3718,13 @@
           <a:lstStyle/>
           <a:p>
             <a:r>
-              <a:rPr lang="fr-FR" dirty="0" smtClean="0">
+              <a:rPr lang="fr-FR" sz="2400" dirty="0" smtClean="0">
                 <a:latin typeface="Times New Roman" panose="02020603050405020304" pitchFamily="18" charset="0"/>
                 <a:cs typeface="Times New Roman" panose="02020603050405020304" pitchFamily="18" charset="0"/>
               </a:rPr>
               <a:t>(c)</a:t>
             </a:r>
-            <a:endParaRPr lang="en-US" dirty="0">
+            <a:endParaRPr lang="en-US" sz="2400" dirty="0">
               <a:latin typeface="Times New Roman" panose="02020603050405020304" pitchFamily="18" charset="0"/>
               <a:cs typeface="Times New Roman" panose="02020603050405020304" pitchFamily="18" charset="0"/>
             </a:endParaRPr>
@@ -3687,8 +3739,8 @@
         </p:nvSpPr>
         <p:spPr>
           <a:xfrm>
-            <a:off x="5562848" y="54099"/>
-            <a:ext cx="441146" cy="369332"/>
+            <a:off x="5490840" y="54099"/>
+            <a:ext cx="526106" cy="461665"/>
           </a:xfrm>
           <a:prstGeom prst="rect">
             <a:avLst/>
@@ -3702,13 +3754,13 @@
           <a:lstStyle/>
           <a:p>
             <a:r>
-              <a:rPr lang="fr-FR" dirty="0" smtClean="0">
+              <a:rPr lang="fr-FR" sz="2400" dirty="0" smtClean="0">
                 <a:latin typeface="Times New Roman" panose="02020603050405020304" pitchFamily="18" charset="0"/>
                 <a:cs typeface="Times New Roman" panose="02020603050405020304" pitchFamily="18" charset="0"/>
               </a:rPr>
               <a:t>(a)</a:t>
             </a:r>
-            <a:endParaRPr lang="en-US" dirty="0">
+            <a:endParaRPr lang="en-US" sz="2400" dirty="0">
               <a:latin typeface="Times New Roman" panose="02020603050405020304" pitchFamily="18" charset="0"/>
               <a:cs typeface="Times New Roman" panose="02020603050405020304" pitchFamily="18" charset="0"/>
             </a:endParaRPr>
@@ -3724,7 +3776,7 @@
         <p:spPr>
           <a:xfrm>
             <a:off x="9595296" y="116815"/>
-            <a:ext cx="498855" cy="415498"/>
+            <a:ext cx="543739" cy="461665"/>
           </a:xfrm>
           <a:prstGeom prst="rect">
             <a:avLst/>
@@ -3738,101 +3790,13 @@
           <a:lstStyle/>
           <a:p>
             <a:r>
-              <a:rPr lang="fr-FR" dirty="0" smtClean="0">
+              <a:rPr lang="fr-FR" sz="2400" dirty="0" smtClean="0">
                 <a:latin typeface="Times New Roman" panose="02020603050405020304" pitchFamily="18" charset="0"/>
                 <a:cs typeface="Times New Roman" panose="02020603050405020304" pitchFamily="18" charset="0"/>
               </a:rPr>
               <a:t>(b)</a:t>
             </a:r>
-            <a:endParaRPr lang="en-US" dirty="0">
-              <a:latin typeface="Times New Roman" panose="02020603050405020304" pitchFamily="18" charset="0"/>
-              <a:cs typeface="Times New Roman" panose="02020603050405020304" pitchFamily="18" charset="0"/>
-            </a:endParaRPr>
-          </a:p>
-        </p:txBody>
-      </p:sp>
-      <p:pic>
-        <p:nvPicPr>
-          <p:cNvPr id="1026" name="Picture 2"/>
-          <p:cNvPicPr>
-            <a:picLocks noChangeAspect="1" noChangeArrowheads="1"/>
-          </p:cNvPicPr>
-          <p:nvPr/>
-        </p:nvPicPr>
-        <p:blipFill rotWithShape="1">
-          <a:blip r:embed="rId5">
-            <a:extLst>
-              <a:ext uri="{28A0092B-C50C-407E-A947-70E740481C1C}">
-                <a14:useLocalDpi xmlns:a14="http://schemas.microsoft.com/office/drawing/2010/main" val="0"/>
-              </a:ext>
-            </a:extLst>
-          </a:blip>
-          <a:srcRect l="3367"/>
-          <a:stretch/>
-        </p:blipFill>
-        <p:spPr bwMode="auto">
-          <a:xfrm>
-            <a:off x="6343200" y="4222800"/>
-            <a:ext cx="4134258" cy="4586288"/>
-          </a:xfrm>
-          <a:prstGeom prst="rect">
-            <a:avLst/>
-          </a:prstGeom>
-          <a:noFill/>
-          <a:ln>
-            <a:noFill/>
-          </a:ln>
-          <a:extLst>
-            <a:ext uri="{909E8E84-426E-40DD-AFC4-6F175D3DCCD1}">
-              <a14:hiddenFill xmlns:a14="http://schemas.microsoft.com/office/drawing/2010/main">
-                <a:solidFill>
-                  <a:schemeClr val="accent1"/>
-                </a:solidFill>
-              </a14:hiddenFill>
-            </a:ext>
-            <a:ext uri="{91240B29-F687-4F45-9708-019B960494DF}">
-              <a14:hiddenLine xmlns:a14="http://schemas.microsoft.com/office/drawing/2010/main" w="9525">
-                <a:solidFill>
-                  <a:schemeClr val="tx1"/>
-                </a:solidFill>
-                <a:miter lim="800000"/>
-                <a:headEnd/>
-                <a:tailEnd/>
-              </a14:hiddenLine>
-            </a:ext>
-          </a:extLst>
-        </p:spPr>
-      </p:pic>
-      <p:sp>
-        <p:nvSpPr>
-          <p:cNvPr id="8" name="ZoneTexte 7"/>
-          <p:cNvSpPr txBox="1"/>
-          <p:nvPr/>
-        </p:nvSpPr>
-        <p:spPr>
-          <a:xfrm>
-            <a:off x="9595296" y="4374579"/>
-            <a:ext cx="484428" cy="415498"/>
-          </a:xfrm>
-          <a:prstGeom prst="rect">
-            <a:avLst/>
-          </a:prstGeom>
-          <a:noFill/>
-        </p:spPr>
-        <p:txBody>
-          <a:bodyPr wrap="none" rtlCol="0">
-            <a:spAutoFit/>
-          </a:bodyPr>
-          <a:lstStyle/>
-          <a:p>
-            <a:r>
-              <a:rPr lang="fr-FR" dirty="0" smtClean="0">
-                <a:latin typeface="Times New Roman" panose="02020603050405020304" pitchFamily="18" charset="0"/>
-                <a:cs typeface="Times New Roman" panose="02020603050405020304" pitchFamily="18" charset="0"/>
-              </a:rPr>
-              <a:t>(c)</a:t>
-            </a:r>
-            <a:endParaRPr lang="en-US" dirty="0">
+            <a:endParaRPr lang="en-US" sz="2400" dirty="0">
               <a:latin typeface="Times New Roman" panose="02020603050405020304" pitchFamily="18" charset="0"/>
               <a:cs typeface="Times New Roman" panose="02020603050405020304" pitchFamily="18" charset="0"/>
             </a:endParaRPr>
